--- a/dqn.pptx
+++ b/dqn.pptx
@@ -104,6 +104,11 @@
       </a:defRPr>
     </a:lvl9pPr>
   </p:defaultTextStyle>
+  <p:extLst>
+    <p:ext uri="{EFAFB233-063F-42B5-8137-9DF3F51BA10A}">
+      <p15:sldGuideLst xmlns:p15="http://schemas.microsoft.com/office/powerpoint/2012/main"/>
+    </p:ext>
+  </p:extLst>
 </p:presentation>
 </file>
 
@@ -256,7 +261,7 @@
           <a:p>
             <a:fld id="{E78A7412-0BBD-4DC6-AA00-3013E9EAAA1B}" type="datetimeFigureOut">
               <a:rPr lang="en-GB" smtClean="0"/>
-              <a:t>23/04/2020</a:t>
+              <a:t>09/05/2020</a:t>
             </a:fld>
             <a:endParaRPr lang="en-GB"/>
           </a:p>
@@ -456,7 +461,7 @@
           <a:p>
             <a:fld id="{E78A7412-0BBD-4DC6-AA00-3013E9EAAA1B}" type="datetimeFigureOut">
               <a:rPr lang="en-GB" smtClean="0"/>
-              <a:t>23/04/2020</a:t>
+              <a:t>09/05/2020</a:t>
             </a:fld>
             <a:endParaRPr lang="en-GB"/>
           </a:p>
@@ -666,7 +671,7 @@
           <a:p>
             <a:fld id="{E78A7412-0BBD-4DC6-AA00-3013E9EAAA1B}" type="datetimeFigureOut">
               <a:rPr lang="en-GB" smtClean="0"/>
-              <a:t>23/04/2020</a:t>
+              <a:t>09/05/2020</a:t>
             </a:fld>
             <a:endParaRPr lang="en-GB"/>
           </a:p>
@@ -866,7 +871,7 @@
           <a:p>
             <a:fld id="{E78A7412-0BBD-4DC6-AA00-3013E9EAAA1B}" type="datetimeFigureOut">
               <a:rPr lang="en-GB" smtClean="0"/>
-              <a:t>23/04/2020</a:t>
+              <a:t>09/05/2020</a:t>
             </a:fld>
             <a:endParaRPr lang="en-GB"/>
           </a:p>
@@ -1142,7 +1147,7 @@
           <a:p>
             <a:fld id="{E78A7412-0BBD-4DC6-AA00-3013E9EAAA1B}" type="datetimeFigureOut">
               <a:rPr lang="en-GB" smtClean="0"/>
-              <a:t>23/04/2020</a:t>
+              <a:t>09/05/2020</a:t>
             </a:fld>
             <a:endParaRPr lang="en-GB"/>
           </a:p>
@@ -1410,7 +1415,7 @@
           <a:p>
             <a:fld id="{E78A7412-0BBD-4DC6-AA00-3013E9EAAA1B}" type="datetimeFigureOut">
               <a:rPr lang="en-GB" smtClean="0"/>
-              <a:t>23/04/2020</a:t>
+              <a:t>09/05/2020</a:t>
             </a:fld>
             <a:endParaRPr lang="en-GB"/>
           </a:p>
@@ -1825,7 +1830,7 @@
           <a:p>
             <a:fld id="{E78A7412-0BBD-4DC6-AA00-3013E9EAAA1B}" type="datetimeFigureOut">
               <a:rPr lang="en-GB" smtClean="0"/>
-              <a:t>23/04/2020</a:t>
+              <a:t>09/05/2020</a:t>
             </a:fld>
             <a:endParaRPr lang="en-GB"/>
           </a:p>
@@ -1967,7 +1972,7 @@
           <a:p>
             <a:fld id="{E78A7412-0BBD-4DC6-AA00-3013E9EAAA1B}" type="datetimeFigureOut">
               <a:rPr lang="en-GB" smtClean="0"/>
-              <a:t>23/04/2020</a:t>
+              <a:t>09/05/2020</a:t>
             </a:fld>
             <a:endParaRPr lang="en-GB"/>
           </a:p>
@@ -2080,7 +2085,7 @@
           <a:p>
             <a:fld id="{E78A7412-0BBD-4DC6-AA00-3013E9EAAA1B}" type="datetimeFigureOut">
               <a:rPr lang="en-GB" smtClean="0"/>
-              <a:t>23/04/2020</a:t>
+              <a:t>09/05/2020</a:t>
             </a:fld>
             <a:endParaRPr lang="en-GB"/>
           </a:p>
@@ -2393,7 +2398,7 @@
           <a:p>
             <a:fld id="{E78A7412-0BBD-4DC6-AA00-3013E9EAAA1B}" type="datetimeFigureOut">
               <a:rPr lang="en-GB" smtClean="0"/>
-              <a:t>23/04/2020</a:t>
+              <a:t>09/05/2020</a:t>
             </a:fld>
             <a:endParaRPr lang="en-GB"/>
           </a:p>
@@ -2682,7 +2687,7 @@
           <a:p>
             <a:fld id="{E78A7412-0BBD-4DC6-AA00-3013E9EAAA1B}" type="datetimeFigureOut">
               <a:rPr lang="en-GB" smtClean="0"/>
-              <a:t>23/04/2020</a:t>
+              <a:t>09/05/2020</a:t>
             </a:fld>
             <a:endParaRPr lang="en-GB"/>
           </a:p>
@@ -2925,7 +2930,7 @@
           <a:p>
             <a:fld id="{E78A7412-0BBD-4DC6-AA00-3013E9EAAA1B}" type="datetimeFigureOut">
               <a:rPr lang="en-GB" smtClean="0"/>
-              <a:t>23/04/2020</a:t>
+              <a:t>09/05/2020</a:t>
             </a:fld>
             <a:endParaRPr lang="en-GB"/>
           </a:p>
@@ -3344,10 +3349,10 @@
       </p:grpSpPr>
       <p:pic>
         <p:nvPicPr>
-          <p:cNvPr id="168" name="Picture 167" descr="A close up of an object&#10;&#10;Description automatically generated">
-            <a:extLst>
-              <a:ext uri="{FF2B5EF4-FFF2-40B4-BE49-F238E27FC236}">
-                <a16:creationId xmlns:a16="http://schemas.microsoft.com/office/drawing/2014/main" id="{048B5232-2A5A-4895-A91C-FA9BDC08AC7A}"/>
+          <p:cNvPr id="3" name="Graphic 2">
+            <a:extLst>
+              <a:ext uri="{FF2B5EF4-FFF2-40B4-BE49-F238E27FC236}">
+                <a16:creationId xmlns:a16="http://schemas.microsoft.com/office/drawing/2014/main" id="{482503A0-0773-4FF6-B0FF-DEFB94793CE5}"/>
               </a:ext>
             </a:extLst>
           </p:cNvPr>
@@ -3362,6 +3367,9 @@
               <a:ext uri="{28A0092B-C50C-407E-A947-70E740481C1C}">
                 <a14:useLocalDpi xmlns:a14="http://schemas.microsoft.com/office/drawing/2010/main" val="0"/>
               </a:ext>
+              <a:ext uri="{96DAC541-7B7A-43D3-8B79-37D633B846F1}">
+                <asvg:svgBlip xmlns:asvg="http://schemas.microsoft.com/office/drawing/2016/SVG/main" r:embed="rId3"/>
+              </a:ext>
             </a:extLst>
           </a:blip>
           <a:stretch>
@@ -3370,8 +3378,8 @@
         </p:blipFill>
         <p:spPr>
           <a:xfrm>
-            <a:off x="2485745" y="835089"/>
-            <a:ext cx="8996039" cy="5060272"/>
+            <a:off x="2365791" y="792956"/>
+            <a:ext cx="9397126" cy="5285883"/>
           </a:xfrm>
           <a:prstGeom prst="rect">
             <a:avLst/>
@@ -3392,7 +3400,7 @@
         </p:nvSpPr>
         <p:spPr>
           <a:xfrm>
-            <a:off x="2388090" y="1852450"/>
+            <a:off x="2299310" y="1852450"/>
             <a:ext cx="1216241" cy="307777"/>
           </a:xfrm>
           <a:prstGeom prst="rect">
@@ -3464,7 +3472,7 @@
         </p:nvSpPr>
         <p:spPr>
           <a:xfrm>
-            <a:off x="5972450" y="1202927"/>
+            <a:off x="6025718" y="1202927"/>
             <a:ext cx="1259150" cy="307777"/>
           </a:xfrm>
           <a:prstGeom prst="rect">
@@ -3499,7 +3507,7 @@
         </p:nvSpPr>
         <p:spPr>
           <a:xfrm>
-            <a:off x="7742802" y="593306"/>
+            <a:off x="7867089" y="593306"/>
             <a:ext cx="664347" cy="307777"/>
           </a:xfrm>
           <a:prstGeom prst="rect">
@@ -3534,7 +3542,7 @@
         </p:nvSpPr>
         <p:spPr>
           <a:xfrm>
-            <a:off x="9626351" y="1852451"/>
+            <a:off x="9795029" y="1879085"/>
             <a:ext cx="733888" cy="307777"/>
           </a:xfrm>
           <a:prstGeom prst="rect">
@@ -3570,7 +3578,7 @@
         </p:nvSpPr>
         <p:spPr>
           <a:xfrm>
-            <a:off x="2432477" y="4570494"/>
+            <a:off x="2325941" y="4650396"/>
             <a:ext cx="1091955" cy="738664"/>
           </a:xfrm>
           <a:prstGeom prst="rect">
@@ -3620,7 +3628,7 @@
         </p:nvSpPr>
         <p:spPr>
           <a:xfrm>
-            <a:off x="4408496" y="5196369"/>
+            <a:off x="4408496" y="5338412"/>
             <a:ext cx="1091955" cy="738664"/>
           </a:xfrm>
           <a:prstGeom prst="rect">
@@ -3670,7 +3678,7 @@
         </p:nvSpPr>
         <p:spPr>
           <a:xfrm>
-            <a:off x="6038291" y="5187334"/>
+            <a:off x="6100435" y="5320502"/>
             <a:ext cx="1091955" cy="738664"/>
           </a:xfrm>
           <a:prstGeom prst="rect">
@@ -3720,7 +3728,7 @@
         </p:nvSpPr>
         <p:spPr>
           <a:xfrm>
-            <a:off x="7528997" y="5815459"/>
+            <a:off x="7653285" y="6001891"/>
             <a:ext cx="1091955" cy="307777"/>
           </a:xfrm>
           <a:prstGeom prst="rect">
@@ -3756,7 +3764,7 @@
         </p:nvSpPr>
         <p:spPr>
           <a:xfrm>
-            <a:off x="9402930" y="4543884"/>
+            <a:off x="9607117" y="4668176"/>
             <a:ext cx="1091955" cy="307777"/>
           </a:xfrm>
           <a:prstGeom prst="rect">
@@ -3792,7 +3800,7 @@
         </p:nvSpPr>
         <p:spPr>
           <a:xfrm>
-            <a:off x="10521519" y="4236107"/>
+            <a:off x="10796729" y="4244985"/>
             <a:ext cx="1091955" cy="307777"/>
           </a:xfrm>
           <a:prstGeom prst="rect">
@@ -3829,7 +3837,7 @@
           <p:nvPr/>
         </p:nvPicPr>
         <p:blipFill>
-          <a:blip r:embed="rId3">
+          <a:blip r:embed="rId4">
             <a:extLst>
               <a:ext uri="{28A0092B-C50C-407E-A947-70E740481C1C}">
                 <a14:useLocalDpi xmlns:a14="http://schemas.microsoft.com/office/drawing/2010/main" val="0"/>
@@ -3950,7 +3958,7 @@
           <p:nvPr/>
         </p:nvPicPr>
         <p:blipFill>
-          <a:blip r:embed="rId4">
+          <a:blip r:embed="rId5">
             <a:extLst>
               <a:ext uri="{28A0092B-C50C-407E-A947-70E740481C1C}">
                 <a14:useLocalDpi xmlns:a14="http://schemas.microsoft.com/office/drawing/2010/main" val="0"/>
